--- a/Accessing the Curriculum.pptx
+++ b/Accessing the Curriculum.pptx
@@ -124,22 +124,6 @@
       </a:defRPr>
     </a:lvl9pPr>
   </p:defaultTextStyle>
-  <p:extLst>
-    <p:ext uri="{EFAFB233-063F-42B5-8137-9DF3F51BA10A}">
-      <p15:sldGuideLst xmlns:p15="http://schemas.microsoft.com/office/powerpoint/2012/main">
-        <p15:guide id="1" orient="horz" pos="2160">
-          <p15:clr>
-            <a:srgbClr val="A4A3A4"/>
-          </p15:clr>
-        </p15:guide>
-        <p15:guide id="2" pos="2880">
-          <p15:clr>
-            <a:srgbClr val="A4A3A4"/>
-          </p15:clr>
-        </p15:guide>
-      </p15:sldGuideLst>
-    </p:ext>
-  </p:extLst>
 </p:presentation>
 </file>
 
@@ -225,7 +209,7 @@
           <a:p>
             <a:fld id="{CB2AA955-FC04-B44E-ADB9-7DBCFDB37EDD}" type="datetimeFigureOut">
               <a:rPr lang="en-US" smtClean="0"/>
-              <a:t>1/17/2017</a:t>
+              <a:t>2013-09-09</a:t>
             </a:fld>
             <a:endParaRPr lang="en-US"/>
           </a:p>
@@ -392,7 +376,7 @@
             <a:fld id="{2447E72A-D913-4DC2-9E0A-E520CE8FCC86}" type="datetimeFigureOut">
               <a:rPr lang="en-US" smtClean="0"/>
               <a:pPr/>
-              <a:t>1/17/2017</a:t>
+              <a:t>2013-09-09</a:t>
             </a:fld>
             <a:endParaRPr lang="en-US"/>
           </a:p>
@@ -972,7 +956,7 @@
             <a:pPr algn="ctr"/>
             <a:fld id="{5A965E41-5009-144D-B433-D674A069A0A2}" type="datetime8">
               <a:rPr lang="en-CA" smtClean="0"/>
-              <a:t>17/01/2017 8:47 AM</a:t>
+              <a:t>2013-09-09 14:27</a:t>
             </a:fld>
             <a:endParaRPr lang="en-US" sz="2000" dirty="0">
               <a:solidFill>
@@ -1181,7 +1165,7 @@
                   <a:schemeClr val="tx2"/>
                 </a:solidFill>
               </a:rPr>
-              <a:t>17/01/2017 8:47 AM</a:t>
+              <a:t>2013-09-09 14:27</a:t>
             </a:fld>
             <a:endParaRPr lang="en-US"/>
           </a:p>
@@ -1370,7 +1354,7 @@
                   <a:schemeClr val="tx2"/>
                 </a:solidFill>
               </a:rPr>
-              <a:t>17/01/2017 8:47 AM</a:t>
+              <a:t>2013-09-09 14:27</a:t>
             </a:fld>
             <a:endParaRPr lang="en-US" dirty="0"/>
           </a:p>
@@ -1728,7 +1712,7 @@
           <a:p>
             <a:fld id="{082C5335-9632-4540-9D81-E3C89A3B3823}" type="datetime8">
               <a:rPr lang="en-CA" smtClean="0"/>
-              <a:t>17/01/2017 8:47 AM</a:t>
+              <a:t>2013-09-09 14:27</a:t>
             </a:fld>
             <a:endParaRPr lang="en-US"/>
           </a:p>
@@ -2050,7 +2034,7 @@
           <a:p>
             <a:fld id="{69FF1DE7-9722-EE4F-BC24-584869AAE5C0}" type="datetime8">
               <a:rPr lang="en-CA" smtClean="0"/>
-              <a:t>17/01/2017 8:47 AM</a:t>
+              <a:t>2013-09-09 14:27</a:t>
             </a:fld>
             <a:endParaRPr lang="en-US"/>
           </a:p>
@@ -2192,7 +2176,7 @@
           <a:p>
             <a:fld id="{3AB95E1E-7E32-8041-A348-12A9D3C48E1E}" type="datetime8">
               <a:rPr lang="en-CA" smtClean="0"/>
-              <a:t>17/01/2017 8:47 AM</a:t>
+              <a:t>2013-09-09 14:27</a:t>
             </a:fld>
             <a:endParaRPr lang="en-US" dirty="0"/>
           </a:p>
@@ -2608,7 +2592,7 @@
           <a:p>
             <a:fld id="{A669CA50-D570-A941-8C4B-92A3A1AA1B1D}" type="datetime8">
               <a:rPr lang="en-CA" smtClean="0"/>
-              <a:t>17/01/2017 8:47 AM</a:t>
+              <a:t>2013-09-09 14:27</a:t>
             </a:fld>
             <a:endParaRPr lang="en-US"/>
           </a:p>
@@ -2856,7 +2840,7 @@
           <a:p>
             <a:fld id="{DDC4CF59-9DE5-FE4C-BBF6-B04C5BFCF829}" type="datetime8">
               <a:rPr lang="en-CA" smtClean="0"/>
-              <a:t>17/01/2017 8:47 AM</a:t>
+              <a:t>2013-09-09 14:27</a:t>
             </a:fld>
             <a:endParaRPr lang="en-US"/>
           </a:p>
@@ -3094,7 +3078,7 @@
           <a:p>
             <a:fld id="{F4B57F52-A8F9-A64F-AF73-57F753444AFD}" type="datetime8">
               <a:rPr lang="en-CA" smtClean="0"/>
-              <a:t>17/01/2017 8:47 AM</a:t>
+              <a:t>2013-09-09 14:27</a:t>
             </a:fld>
             <a:endParaRPr lang="en-US"/>
           </a:p>
@@ -3291,7 +3275,7 @@
           <a:p>
             <a:fld id="{87D4DF00-CC7F-E54D-82D7-BE9BD6178046}" type="datetime8">
               <a:rPr lang="en-CA" smtClean="0"/>
-              <a:t>17/01/2017 8:47 AM</a:t>
+              <a:t>2013-09-09 14:27</a:t>
             </a:fld>
             <a:endParaRPr lang="en-US"/>
           </a:p>
@@ -3394,7 +3378,7 @@
           <a:p>
             <a:fld id="{43DAEE6F-4C10-2C4A-AA4E-61E9B2D348AC}" type="datetime8">
               <a:rPr lang="en-CA" smtClean="0"/>
-              <a:t>17/01/2017 8:47 AM</a:t>
+              <a:t>2013-09-09 14:27</a:t>
             </a:fld>
             <a:endParaRPr lang="en-US"/>
           </a:p>
@@ -3535,7 +3519,7 @@
           <a:p>
             <a:fld id="{2046DEAF-4F49-5646-B149-4143DC1D6FCF}" type="datetime8">
               <a:rPr lang="en-CA" smtClean="0"/>
-              <a:t>17/01/2017 8:47 AM</a:t>
+              <a:t>2013-09-09 14:27</a:t>
             </a:fld>
             <a:endParaRPr lang="en-US"/>
           </a:p>
@@ -4009,7 +3993,7 @@
           <a:p>
             <a:fld id="{9226D8EC-C87F-B54B-B25E-86FB1081FCB2}" type="datetime8">
               <a:rPr lang="en-CA" smtClean="0"/>
-              <a:t>17/01/2017 8:47 AM</a:t>
+              <a:t>2013-09-09 14:27</a:t>
             </a:fld>
             <a:endParaRPr lang="en-US"/>
           </a:p>
@@ -4276,7 +4260,7 @@
                   <a:schemeClr val="tx2"/>
                 </a:solidFill>
               </a:rPr>
-              <a:t>17/01/2017 8:47 AM</a:t>
+              <a:t>2013-09-09 14:27</a:t>
             </a:fld>
             <a:endParaRPr lang="en-US" sz="1400" dirty="0">
               <a:solidFill>
@@ -4894,7 +4878,7 @@
   <p:timing>
     <p:tnLst>
       <p:par>
-        <p:cTn id="1" dur="indefinite" restart="never" nodeType="tmRoot"/>
+        <p:cTn xmlns:p14="http://schemas.microsoft.com/office/powerpoint/2010/main" id="1" dur="indefinite" restart="never" nodeType="tmRoot"/>
       </p:par>
     </p:tnLst>
   </p:timing>
@@ -6072,13 +6056,6 @@
   <p:clrMapOvr>
     <a:masterClrMapping/>
   </p:clrMapOvr>
-  <p:timing>
-    <p:tnLst>
-      <p:par>
-        <p:cTn id="1" dur="indefinite" restart="never" nodeType="tmRoot"/>
-      </p:par>
-    </p:tnLst>
-  </p:timing>
 </p:sld>
 </file>
 
@@ -6257,7 +6234,7 @@
   <p:timing>
     <p:tnLst>
       <p:par>
-        <p:cTn id="1" dur="indefinite" restart="never" nodeType="tmRoot"/>
+        <p:cTn xmlns:p14="http://schemas.microsoft.com/office/powerpoint/2010/main" id="1" dur="indefinite" restart="never" nodeType="tmRoot"/>
       </p:par>
     </p:tnLst>
   </p:timing>
@@ -6367,21 +6344,25 @@
                 <a:latin typeface="Arial"/>
                 <a:cs typeface="Arial"/>
               </a:rPr>
-              <a:t>Embedded Opportunities for Learning Plan – </a:t>
-            </a:r>
+              <a:t>Embedded Opportunities for Learning Plan – 20%</a:t>
+            </a:r>
+          </a:p>
+          <a:p>
             <a:r>
               <a:rPr lang="en-US" sz="2800" dirty="0" smtClean="0">
                 <a:latin typeface="Arial"/>
                 <a:cs typeface="Arial"/>
               </a:rPr>
-              <a:t>30</a:t>
-            </a:r>
+              <a:t>Task Analysis Plan – 30%</a:t>
+            </a:r>
+          </a:p>
+          <a:p>
             <a:r>
               <a:rPr lang="en-US" sz="2800" dirty="0" smtClean="0">
                 <a:latin typeface="Arial"/>
                 <a:cs typeface="Arial"/>
               </a:rPr>
-              <a:t>%</a:t>
+              <a:t>Adapting for Literacy or Numeracy Development – 25%</a:t>
             </a:r>
           </a:p>
           <a:p>
@@ -6390,57 +6371,7 @@
                 <a:latin typeface="Arial"/>
                 <a:cs typeface="Arial"/>
               </a:rPr>
-              <a:t>Task Analysis Plan – </a:t>
-            </a:r>
-            <a:r>
-              <a:rPr lang="en-US" sz="2800" dirty="0" smtClean="0">
-                <a:latin typeface="Arial"/>
-                <a:cs typeface="Arial"/>
-              </a:rPr>
-              <a:t>25</a:t>
-            </a:r>
-            <a:r>
-              <a:rPr lang="en-US" sz="2800" dirty="0" smtClean="0">
-                <a:latin typeface="Arial"/>
-                <a:cs typeface="Arial"/>
-              </a:rPr>
-              <a:t>%</a:t>
-            </a:r>
-            <a:endParaRPr lang="en-US" sz="2800" dirty="0" smtClean="0">
-              <a:latin typeface="Arial"/>
-              <a:cs typeface="Arial"/>
-            </a:endParaRPr>
-          </a:p>
-          <a:p>
-            <a:r>
-              <a:rPr lang="en-US" sz="2800" dirty="0" smtClean="0">
-                <a:latin typeface="Arial"/>
-                <a:cs typeface="Arial"/>
-              </a:rPr>
-              <a:t>Accessing </a:t>
-            </a:r>
-            <a:r>
-              <a:rPr lang="en-US" sz="2800" dirty="0" smtClean="0">
-                <a:latin typeface="Arial"/>
-                <a:cs typeface="Arial"/>
-              </a:rPr>
-              <a:t>the Curriculum Paper – 25</a:t>
-            </a:r>
-            <a:r>
-              <a:rPr lang="en-US" sz="2800" dirty="0" smtClean="0">
-                <a:latin typeface="Arial"/>
-                <a:cs typeface="Arial"/>
-              </a:rPr>
-              <a:t>%</a:t>
-            </a:r>
-          </a:p>
-          <a:p>
-            <a:r>
-              <a:rPr lang="en-US" sz="2800" dirty="0" smtClean="0">
-                <a:latin typeface="Arial"/>
-                <a:cs typeface="Arial"/>
-              </a:rPr>
-              <a:t>Writing Assignment – 25%</a:t>
+              <a:t>Accessing the Curriculum Paper – 25%</a:t>
             </a:r>
             <a:endParaRPr lang="en-US" sz="2800" dirty="0">
               <a:latin typeface="Arial"/>
@@ -6489,7 +6420,7 @@
   <p:timing>
     <p:tnLst>
       <p:par>
-        <p:cTn id="1" dur="indefinite" restart="never" nodeType="tmRoot"/>
+        <p:cTn xmlns:p14="http://schemas.microsoft.com/office/powerpoint/2010/main" id="1" dur="indefinite" restart="never" nodeType="tmRoot"/>
       </p:par>
     </p:tnLst>
   </p:timing>
@@ -6720,14 +6651,14 @@
           </a:ln>
           <a:extLst>
             <a:ext uri="{909E8E84-426E-40dd-AFC4-6F175D3DCCD1}">
-              <a14:hiddenFill xmlns:a14="http://schemas.microsoft.com/office/drawing/2010/main" xmlns="">
+              <a14:hiddenFill xmlns:a14="http://schemas.microsoft.com/office/drawing/2010/main">
                 <a:solidFill>
                   <a:srgbClr val="FFFFFF"/>
                 </a:solidFill>
               </a14:hiddenFill>
             </a:ext>
             <a:ext uri="{91240B29-F687-4f45-9708-019B960494DF}">
-              <a14:hiddenLine xmlns:a14="http://schemas.microsoft.com/office/drawing/2010/main" xmlns="" w="9525">
+              <a14:hiddenLine xmlns:a14="http://schemas.microsoft.com/office/drawing/2010/main" w="9525">
                 <a:solidFill>
                   <a:srgbClr val="000000"/>
                 </a:solidFill>
@@ -7224,7 +7155,7 @@
             </a:ln>
             <a:extLst>
               <a:ext uri="{91240B29-F687-4f45-9708-019B960494DF}">
-                <a14:hiddenLine xmlns:a14="http://schemas.microsoft.com/office/drawing/2010/main" xmlns="" w="9525">
+                <a14:hiddenLine xmlns:a14="http://schemas.microsoft.com/office/drawing/2010/main" w="9525">
                   <a:solidFill>
                     <a:srgbClr val="000000"/>
                   </a:solidFill>
@@ -7490,14 +7421,14 @@
               </a:ln>
               <a:extLst>
                 <a:ext uri="{909E8E84-426E-40dd-AFC4-6F175D3DCCD1}">
-                  <a14:hiddenFill xmlns:a14="http://schemas.microsoft.com/office/drawing/2010/main" xmlns="">
+                  <a14:hiddenFill xmlns:a14="http://schemas.microsoft.com/office/drawing/2010/main">
                     <a:solidFill>
                       <a:srgbClr val="FFFFFF"/>
                     </a:solidFill>
                   </a14:hiddenFill>
                 </a:ext>
                 <a:ext uri="{91240B29-F687-4f45-9708-019B960494DF}">
-                  <a14:hiddenLine xmlns:a14="http://schemas.microsoft.com/office/drawing/2010/main" xmlns="" w="9525">
+                  <a14:hiddenLine xmlns:a14="http://schemas.microsoft.com/office/drawing/2010/main" w="9525">
                     <a:solidFill>
                       <a:srgbClr val="000000"/>
                     </a:solidFill>
@@ -7826,14 +7757,14 @@
             </a:ln>
             <a:extLst>
               <a:ext uri="{909E8E84-426E-40dd-AFC4-6F175D3DCCD1}">
-                <a14:hiddenFill xmlns:a14="http://schemas.microsoft.com/office/drawing/2010/main" xmlns="">
+                <a14:hiddenFill xmlns:a14="http://schemas.microsoft.com/office/drawing/2010/main">
                   <a:solidFill>
                     <a:srgbClr val="FFFFFF"/>
                   </a:solidFill>
                 </a14:hiddenFill>
               </a:ext>
               <a:ext uri="{91240B29-F687-4f45-9708-019B960494DF}">
-                <a14:hiddenLine xmlns:a14="http://schemas.microsoft.com/office/drawing/2010/main" xmlns="" w="9525">
+                <a14:hiddenLine xmlns:a14="http://schemas.microsoft.com/office/drawing/2010/main" w="9525">
                   <a:solidFill>
                     <a:srgbClr val="000000"/>
                   </a:solidFill>
@@ -8050,14 +7981,14 @@
           </a:ln>
           <a:extLst>
             <a:ext uri="{909E8E84-426E-40dd-AFC4-6F175D3DCCD1}">
-              <a14:hiddenFill xmlns:a14="http://schemas.microsoft.com/office/drawing/2010/main" xmlns="">
+              <a14:hiddenFill xmlns:a14="http://schemas.microsoft.com/office/drawing/2010/main">
                 <a:solidFill>
                   <a:srgbClr val="FFFFFF"/>
                 </a:solidFill>
               </a14:hiddenFill>
             </a:ext>
             <a:ext uri="{91240B29-F687-4f45-9708-019B960494DF}">
-              <a14:hiddenLine xmlns:a14="http://schemas.microsoft.com/office/drawing/2010/main" xmlns="" w="9525">
+              <a14:hiddenLine xmlns:a14="http://schemas.microsoft.com/office/drawing/2010/main" w="9525">
                 <a:solidFill>
                   <a:srgbClr val="000000"/>
                 </a:solidFill>
@@ -8230,7 +8161,7 @@
   <p:timing>
     <p:tnLst>
       <p:par>
-        <p:cTn id="1" dur="indefinite" restart="never" nodeType="tmRoot">
+        <p:cTn xmlns:p14="http://schemas.microsoft.com/office/powerpoint/2010/main" id="1" dur="indefinite" restart="never" nodeType="tmRoot">
           <p:childTnLst>
             <p:seq concurrent="1" nextAc="seek">
               <p:cTn id="2" dur="indefinite" nodeType="mainSeq">
@@ -8846,14 +8777,14 @@
           </a:ln>
           <a:extLst>
             <a:ext uri="{909E8E84-426E-40dd-AFC4-6F175D3DCCD1}">
-              <a14:hiddenFill xmlns:a14="http://schemas.microsoft.com/office/drawing/2010/main" xmlns="">
+              <a14:hiddenFill xmlns:a14="http://schemas.microsoft.com/office/drawing/2010/main">
                 <a:solidFill>
                   <a:schemeClr val="accent1"/>
                 </a:solidFill>
               </a14:hiddenFill>
             </a:ext>
             <a:ext uri="{91240B29-F687-4f45-9708-019B960494DF}">
-              <a14:hiddenLine xmlns:a14="http://schemas.microsoft.com/office/drawing/2010/main" xmlns="" w="9525">
+              <a14:hiddenLine xmlns:a14="http://schemas.microsoft.com/office/drawing/2010/main" w="9525">
                 <a:solidFill>
                   <a:schemeClr val="tx1"/>
                 </a:solidFill>
@@ -8906,14 +8837,14 @@
           </a:ln>
           <a:extLst>
             <a:ext uri="{909E8E84-426E-40dd-AFC4-6F175D3DCCD1}">
-              <a14:hiddenFill xmlns:a14="http://schemas.microsoft.com/office/drawing/2010/main" xmlns="">
+              <a14:hiddenFill xmlns:a14="http://schemas.microsoft.com/office/drawing/2010/main">
                 <a:solidFill>
                   <a:schemeClr val="accent1"/>
                 </a:solidFill>
               </a14:hiddenFill>
             </a:ext>
             <a:ext uri="{91240B29-F687-4f45-9708-019B960494DF}">
-              <a14:hiddenLine xmlns:a14="http://schemas.microsoft.com/office/drawing/2010/main" xmlns="" w="9525">
+              <a14:hiddenLine xmlns:a14="http://schemas.microsoft.com/office/drawing/2010/main" w="9525">
                 <a:solidFill>
                   <a:schemeClr val="tx1"/>
                 </a:solidFill>
